--- a/FafardKevin-fichiersPresentation/pwpStage.pptx
+++ b/FafardKevin-fichiersPresentation/pwpStage.pptx
@@ -13,8 +13,9 @@
     <p:sldId id="260" r:id="rId7"/>
     <p:sldId id="261" r:id="rId8"/>
     <p:sldId id="262" r:id="rId9"/>
-    <p:sldId id="263" r:id="rId10"/>
-    <p:sldId id="264" r:id="rId11"/>
+    <p:sldId id="265" r:id="rId10"/>
+    <p:sldId id="263" r:id="rId11"/>
+    <p:sldId id="264" r:id="rId12"/>
   </p:sldIdLst>
   <p:sldSz cx="12192000" cy="6858000"/>
   <p:notesSz cx="6858000" cy="9144000"/>
@@ -263,7 +264,7 @@
           <a:p>
             <a:fld id="{9A5E1FA9-07B8-4508-9049-C996FD644428}" type="datetimeFigureOut">
               <a:rPr lang="fr-CA" smtClean="0"/>
-              <a:t>2019-04-18</a:t>
+              <a:t>2019-04-30</a:t>
             </a:fld>
             <a:endParaRPr lang="fr-CA"/>
           </a:p>
@@ -433,7 +434,7 @@
           <a:p>
             <a:fld id="{9A5E1FA9-07B8-4508-9049-C996FD644428}" type="datetimeFigureOut">
               <a:rPr lang="fr-CA" smtClean="0"/>
-              <a:t>2019-04-18</a:t>
+              <a:t>2019-04-30</a:t>
             </a:fld>
             <a:endParaRPr lang="fr-CA"/>
           </a:p>
@@ -613,7 +614,7 @@
           <a:p>
             <a:fld id="{9A5E1FA9-07B8-4508-9049-C996FD644428}" type="datetimeFigureOut">
               <a:rPr lang="fr-CA" smtClean="0"/>
-              <a:t>2019-04-18</a:t>
+              <a:t>2019-04-30</a:t>
             </a:fld>
             <a:endParaRPr lang="fr-CA"/>
           </a:p>
@@ -862,7 +863,7 @@
           <a:p>
             <a:fld id="{9A5E1FA9-07B8-4508-9049-C996FD644428}" type="datetimeFigureOut">
               <a:rPr lang="fr-CA" smtClean="0"/>
-              <a:t>2019-04-18</a:t>
+              <a:t>2019-04-30</a:t>
             </a:fld>
             <a:endParaRPr lang="fr-CA"/>
           </a:p>
@@ -1129,7 +1130,7 @@
           <a:p>
             <a:fld id="{9A5E1FA9-07B8-4508-9049-C996FD644428}" type="datetimeFigureOut">
               <a:rPr lang="fr-CA" smtClean="0"/>
-              <a:t>2019-04-18</a:t>
+              <a:t>2019-04-30</a:t>
             </a:fld>
             <a:endParaRPr lang="fr-CA"/>
           </a:p>
@@ -1458,7 +1459,7 @@
           <a:p>
             <a:fld id="{9A5E1FA9-07B8-4508-9049-C996FD644428}" type="datetimeFigureOut">
               <a:rPr lang="fr-CA" smtClean="0"/>
-              <a:t>2019-04-18</a:t>
+              <a:t>2019-04-30</a:t>
             </a:fld>
             <a:endParaRPr lang="fr-CA"/>
           </a:p>
@@ -1781,7 +1782,7 @@
           <a:p>
             <a:fld id="{9A5E1FA9-07B8-4508-9049-C996FD644428}" type="datetimeFigureOut">
               <a:rPr lang="fr-CA" smtClean="0"/>
-              <a:t>2019-04-18</a:t>
+              <a:t>2019-04-30</a:t>
             </a:fld>
             <a:endParaRPr lang="fr-CA"/>
           </a:p>
@@ -2238,7 +2239,7 @@
           <a:p>
             <a:fld id="{9A5E1FA9-07B8-4508-9049-C996FD644428}" type="datetimeFigureOut">
               <a:rPr lang="fr-CA" smtClean="0"/>
-              <a:t>2019-04-18</a:t>
+              <a:t>2019-04-30</a:t>
             </a:fld>
             <a:endParaRPr lang="fr-CA"/>
           </a:p>
@@ -2443,7 +2444,7 @@
           <a:p>
             <a:fld id="{9A5E1FA9-07B8-4508-9049-C996FD644428}" type="datetimeFigureOut">
               <a:rPr lang="fr-CA" smtClean="0"/>
-              <a:t>2019-04-18</a:t>
+              <a:t>2019-04-30</a:t>
             </a:fld>
             <a:endParaRPr lang="fr-CA"/>
           </a:p>
@@ -2620,7 +2621,7 @@
           <a:p>
             <a:fld id="{9A5E1FA9-07B8-4508-9049-C996FD644428}" type="datetimeFigureOut">
               <a:rPr lang="fr-CA" smtClean="0"/>
-              <a:t>2019-04-18</a:t>
+              <a:t>2019-04-30</a:t>
             </a:fld>
             <a:endParaRPr lang="fr-CA"/>
           </a:p>
@@ -2953,7 +2954,7 @@
           <a:p>
             <a:fld id="{9A5E1FA9-07B8-4508-9049-C996FD644428}" type="datetimeFigureOut">
               <a:rPr lang="fr-CA" smtClean="0"/>
-              <a:t>2019-04-18</a:t>
+              <a:t>2019-04-30</a:t>
             </a:fld>
             <a:endParaRPr lang="fr-CA"/>
           </a:p>
@@ -3205,7 +3206,7 @@
           <a:p>
             <a:fld id="{9A5E1FA9-07B8-4508-9049-C996FD644428}" type="datetimeFigureOut">
               <a:rPr lang="fr-CA" smtClean="0"/>
-              <a:t>2019-04-18</a:t>
+              <a:t>2019-04-30</a:t>
             </a:fld>
             <a:endParaRPr lang="fr-CA"/>
           </a:p>
@@ -3468,7 +3469,7 @@
           <a:p>
             <a:fld id="{9A5E1FA9-07B8-4508-9049-C996FD644428}" type="datetimeFigureOut">
               <a:rPr lang="fr-CA" smtClean="0"/>
-              <a:t>2019-04-18</a:t>
+              <a:t>2019-04-30</a:t>
             </a:fld>
             <a:endParaRPr lang="fr-CA"/>
           </a:p>
@@ -3806,7 +3807,7 @@
           <a:p>
             <a:fld id="{9A5E1FA9-07B8-4508-9049-C996FD644428}" type="datetimeFigureOut">
               <a:rPr lang="fr-CA" smtClean="0"/>
-              <a:t>2019-04-18</a:t>
+              <a:t>2019-04-30</a:t>
             </a:fld>
             <a:endParaRPr lang="fr-CA"/>
           </a:p>
@@ -4207,7 +4208,7 @@
           <a:p>
             <a:fld id="{9A5E1FA9-07B8-4508-9049-C996FD644428}" type="datetimeFigureOut">
               <a:rPr lang="fr-CA" smtClean="0"/>
-              <a:t>2019-04-18</a:t>
+              <a:t>2019-04-30</a:t>
             </a:fld>
             <a:endParaRPr lang="fr-CA"/>
           </a:p>
@@ -4543,7 +4544,7 @@
           <a:p>
             <a:fld id="{9A5E1FA9-07B8-4508-9049-C996FD644428}" type="datetimeFigureOut">
               <a:rPr lang="fr-CA" smtClean="0"/>
-              <a:t>2019-04-18</a:t>
+              <a:t>2019-04-30</a:t>
             </a:fld>
             <a:endParaRPr lang="fr-CA"/>
           </a:p>
@@ -4863,7 +4864,7 @@
           <a:p>
             <a:fld id="{9A5E1FA9-07B8-4508-9049-C996FD644428}" type="datetimeFigureOut">
               <a:rPr lang="fr-CA" smtClean="0"/>
-              <a:t>2019-04-18</a:t>
+              <a:t>2019-04-30</a:t>
             </a:fld>
             <a:endParaRPr lang="fr-CA"/>
           </a:p>
@@ -5259,7 +5260,7 @@
           <a:p>
             <a:fld id="{9A5E1FA9-07B8-4508-9049-C996FD644428}" type="datetimeFigureOut">
               <a:rPr lang="fr-CA" smtClean="0"/>
-              <a:t>2019-04-18</a:t>
+              <a:t>2019-04-30</a:t>
             </a:fld>
             <a:endParaRPr lang="fr-CA"/>
           </a:p>
@@ -5516,7 +5517,7 @@
           <a:p>
             <a:fld id="{9A5E1FA9-07B8-4508-9049-C996FD644428}" type="datetimeFigureOut">
               <a:rPr lang="fr-CA" smtClean="0"/>
-              <a:t>2019-04-18</a:t>
+              <a:t>2019-04-30</a:t>
             </a:fld>
             <a:endParaRPr lang="fr-CA"/>
           </a:p>
@@ -5778,7 +5779,7 @@
           <a:p>
             <a:fld id="{9A5E1FA9-07B8-4508-9049-C996FD644428}" type="datetimeFigureOut">
               <a:rPr lang="fr-CA" smtClean="0"/>
-              <a:t>2019-04-18</a:t>
+              <a:t>2019-04-30</a:t>
             </a:fld>
             <a:endParaRPr lang="fr-CA"/>
           </a:p>
@@ -6111,7 +6112,7 @@
           <a:p>
             <a:fld id="{9A5E1FA9-07B8-4508-9049-C996FD644428}" type="datetimeFigureOut">
               <a:rPr lang="fr-CA" smtClean="0"/>
-              <a:t>2019-04-18</a:t>
+              <a:t>2019-04-30</a:t>
             </a:fld>
             <a:endParaRPr lang="fr-CA"/>
           </a:p>
@@ -6343,7 +6344,7 @@
           <a:p>
             <a:fld id="{9A5E1FA9-07B8-4508-9049-C996FD644428}" type="datetimeFigureOut">
               <a:rPr lang="fr-CA" smtClean="0"/>
-              <a:t>2019-04-18</a:t>
+              <a:t>2019-04-30</a:t>
             </a:fld>
             <a:endParaRPr lang="fr-CA"/>
           </a:p>
@@ -6690,7 +6691,7 @@
           <a:p>
             <a:fld id="{9A5E1FA9-07B8-4508-9049-C996FD644428}" type="datetimeFigureOut">
               <a:rPr lang="fr-CA" smtClean="0"/>
-              <a:t>2019-04-18</a:t>
+              <a:t>2019-04-30</a:t>
             </a:fld>
             <a:endParaRPr lang="fr-CA"/>
           </a:p>
@@ -6808,7 +6809,7 @@
           <a:p>
             <a:fld id="{9A5E1FA9-07B8-4508-9049-C996FD644428}" type="datetimeFigureOut">
               <a:rPr lang="fr-CA" smtClean="0"/>
-              <a:t>2019-04-18</a:t>
+              <a:t>2019-04-30</a:t>
             </a:fld>
             <a:endParaRPr lang="fr-CA"/>
           </a:p>
@@ -6926,7 +6927,7 @@
           <a:p>
             <a:fld id="{9A5E1FA9-07B8-4508-9049-C996FD644428}" type="datetimeFigureOut">
               <a:rPr lang="fr-CA" smtClean="0"/>
-              <a:t>2019-04-18</a:t>
+              <a:t>2019-04-30</a:t>
             </a:fld>
             <a:endParaRPr lang="fr-CA"/>
           </a:p>
@@ -7210,7 +7211,7 @@
           <a:p>
             <a:fld id="{9A5E1FA9-07B8-4508-9049-C996FD644428}" type="datetimeFigureOut">
               <a:rPr lang="fr-CA" smtClean="0"/>
-              <a:t>2019-04-18</a:t>
+              <a:t>2019-04-30</a:t>
             </a:fld>
             <a:endParaRPr lang="fr-CA"/>
           </a:p>
@@ -7474,7 +7475,7 @@
           <a:p>
             <a:fld id="{9A5E1FA9-07B8-4508-9049-C996FD644428}" type="datetimeFigureOut">
               <a:rPr lang="fr-CA" smtClean="0"/>
-              <a:t>2019-04-18</a:t>
+              <a:t>2019-04-30</a:t>
             </a:fld>
             <a:endParaRPr lang="fr-CA"/>
           </a:p>
@@ -7688,7 +7689,7 @@
           <a:p>
             <a:fld id="{9A5E1FA9-07B8-4508-9049-C996FD644428}" type="datetimeFigureOut">
               <a:rPr lang="fr-CA" smtClean="0"/>
-              <a:t>2019-04-18</a:t>
+              <a:t>2019-04-30</a:t>
             </a:fld>
             <a:endParaRPr lang="fr-CA"/>
           </a:p>
@@ -10034,7 +10035,7 @@
           <a:p>
             <a:fld id="{9A5E1FA9-07B8-4508-9049-C996FD644428}" type="datetimeFigureOut">
               <a:rPr lang="fr-CA" smtClean="0"/>
-              <a:t>2019-04-18</a:t>
+              <a:t>2019-04-30</a:t>
             </a:fld>
             <a:endParaRPr lang="fr-CA"/>
           </a:p>
@@ -10630,6 +10631,108 @@
   </p:clrMapOvr>
   <p:transition spd="slow">
     <p:cover/>
+  </p:transition>
+  <p:timing>
+    <p:tnLst>
+      <p:par>
+        <p:cTn id="1" dur="indefinite" restart="never" nodeType="tmRoot"/>
+      </p:par>
+    </p:tnLst>
+  </p:timing>
+</p:sld>
+</file>
+
+<file path=ppt/slides/slide10.xml><?xml version="1.0" encoding="utf-8"?>
+<p:sld xmlns:a="http://schemas.openxmlformats.org/drawingml/2006/main" xmlns:r="http://schemas.openxmlformats.org/officeDocument/2006/relationships" xmlns:p="http://schemas.openxmlformats.org/presentationml/2006/main">
+  <p:cSld>
+    <p:spTree>
+      <p:nvGrpSpPr>
+        <p:cNvPr id="1" name=""/>
+        <p:cNvGrpSpPr/>
+        <p:nvPr/>
+      </p:nvGrpSpPr>
+      <p:grpSpPr>
+        <a:xfrm>
+          <a:off x="0" y="0"/>
+          <a:ext cx="0" cy="0"/>
+          <a:chOff x="0" y="0"/>
+          <a:chExt cx="0" cy="0"/>
+        </a:xfrm>
+      </p:grpSpPr>
+      <p:sp>
+        <p:nvSpPr>
+          <p:cNvPr id="2" name="Titre 1"/>
+          <p:cNvSpPr>
+            <a:spLocks noGrp="1"/>
+          </p:cNvSpPr>
+          <p:nvPr>
+            <p:ph type="title"/>
+          </p:nvPr>
+        </p:nvSpPr>
+        <p:spPr/>
+        <p:txBody>
+          <a:bodyPr>
+            <a:normAutofit/>
+          </a:bodyPr>
+          <a:lstStyle/>
+          <a:p>
+            <a:r>
+              <a:rPr lang="fr-CA" sz="4800" dirty="0" smtClean="0"/>
+              <a:t>Points faibles</a:t>
+            </a:r>
+            <a:endParaRPr lang="fr-CA" sz="4800" dirty="0"/>
+          </a:p>
+        </p:txBody>
+      </p:sp>
+      <p:sp>
+        <p:nvSpPr>
+          <p:cNvPr id="3" name="Espace réservé du contenu 2"/>
+          <p:cNvSpPr>
+            <a:spLocks noGrp="1"/>
+          </p:cNvSpPr>
+          <p:nvPr>
+            <p:ph idx="1"/>
+          </p:nvPr>
+        </p:nvSpPr>
+        <p:spPr/>
+        <p:txBody>
+          <a:bodyPr>
+            <a:normAutofit/>
+          </a:bodyPr>
+          <a:lstStyle/>
+          <a:p>
+            <a:r>
+              <a:rPr lang="fr-CA" sz="2800" dirty="0" smtClean="0"/>
+              <a:t>Matériel très lent</a:t>
+            </a:r>
+          </a:p>
+          <a:p>
+            <a:r>
+              <a:rPr lang="fr-CA" sz="2800" dirty="0" smtClean="0"/>
+              <a:t>Voyagement</a:t>
+            </a:r>
+          </a:p>
+          <a:p>
+            <a:r>
+              <a:rPr lang="fr-CA" sz="2800" dirty="0" smtClean="0"/>
+              <a:t>…</a:t>
+            </a:r>
+            <a:endParaRPr lang="fr-CA" sz="2800" dirty="0"/>
+          </a:p>
+        </p:txBody>
+      </p:sp>
+    </p:spTree>
+    <p:extLst>
+      <p:ext uri="{BB962C8B-B14F-4D97-AF65-F5344CB8AC3E}">
+        <p14:creationId xmlns:p14="http://schemas.microsoft.com/office/powerpoint/2010/main" val="3307960623"/>
+      </p:ext>
+    </p:extLst>
+  </p:cSld>
+  <p:clrMapOvr>
+    <a:masterClrMapping/>
+  </p:clrMapOvr>
+  <p:transition spd="med">
+    <p:pull dir="d"/>
   </p:transition>
   <p:timing>
     <p:tnLst>
@@ -11739,7 +11842,15 @@
           <a:p>
             <a:r>
               <a:rPr lang="fr-CA" dirty="0" smtClean="0"/>
-              <a:t>Liste de changements</a:t>
+              <a:t>Liste </a:t>
+            </a:r>
+            <a:r>
+              <a:rPr lang="fr-CA" dirty="0" smtClean="0"/>
+              <a:t>des </a:t>
+            </a:r>
+            <a:r>
+              <a:rPr lang="fr-CA" dirty="0" smtClean="0"/>
+              <a:t>changements</a:t>
             </a:r>
             <a:endParaRPr lang="fr-CA" dirty="0"/>
           </a:p>
@@ -11827,76 +11938,56 @@
         </p:nvSpPr>
         <p:spPr/>
         <p:txBody>
-          <a:bodyPr>
-            <a:normAutofit/>
-          </a:bodyPr>
-          <a:lstStyle/>
-          <a:p>
-            <a:r>
-              <a:rPr lang="fr-CA" sz="4800" dirty="0" smtClean="0"/>
-              <a:t>Points forts</a:t>
-            </a:r>
-            <a:endParaRPr lang="fr-CA" sz="4800" dirty="0"/>
-          </a:p>
-        </p:txBody>
-      </p:sp>
-      <p:sp>
-        <p:nvSpPr>
-          <p:cNvPr id="3" name="Espace réservé du contenu 2"/>
-          <p:cNvSpPr>
-            <a:spLocks noGrp="1"/>
-          </p:cNvSpPr>
+          <a:bodyPr/>
+          <a:lstStyle/>
+          <a:p>
+            <a:r>
+              <a:rPr lang="fr-CA" dirty="0" smtClean="0"/>
+              <a:t>Liste des incidents</a:t>
+            </a:r>
+            <a:endParaRPr lang="fr-CA" dirty="0"/>
+          </a:p>
+        </p:txBody>
+      </p:sp>
+      <p:pic>
+        <p:nvPicPr>
+          <p:cNvPr id="6" name="Espace réservé du contenu 5"/>
+          <p:cNvPicPr>
+            <a:picLocks noGrp="1" noChangeAspect="1"/>
+          </p:cNvPicPr>
           <p:nvPr>
             <p:ph idx="1"/>
           </p:nvPr>
-        </p:nvSpPr>
-        <p:spPr/>
-        <p:txBody>
-          <a:bodyPr>
-            <a:normAutofit/>
-          </a:bodyPr>
-          <a:lstStyle/>
-          <a:p>
-            <a:r>
-              <a:rPr lang="fr-CA" sz="2800" dirty="0" smtClean="0"/>
-              <a:t>Focus est mis sur l’apprentissage</a:t>
-            </a:r>
-          </a:p>
-          <a:p>
-            <a:r>
-              <a:rPr lang="fr-CA" sz="2800" dirty="0" smtClean="0"/>
-              <a:t>Environnement stable, rapide et professionnel</a:t>
-            </a:r>
-          </a:p>
-          <a:p>
-            <a:r>
-              <a:rPr lang="fr-CA" sz="2800" dirty="0" smtClean="0"/>
-              <a:t>Prise en charge de projets de A à Z</a:t>
-            </a:r>
-            <a:endParaRPr lang="fr-CA" sz="2800" dirty="0"/>
-          </a:p>
-        </p:txBody>
-      </p:sp>
+        </p:nvPicPr>
+        <p:blipFill>
+          <a:blip r:embed="rId2" cstate="print">
+            <a:extLst>
+              <a:ext uri="{28A0092B-C50C-407E-A947-70E740481C1C}">
+                <a14:useLocalDpi xmlns:a14="http://schemas.microsoft.com/office/drawing/2010/main" val="0"/>
+              </a:ext>
+            </a:extLst>
+          </a:blip>
+          <a:stretch>
+            <a:fillRect/>
+          </a:stretch>
+        </p:blipFill>
+        <p:spPr>
+          <a:xfrm>
+            <a:off x="477795" y="1264555"/>
+            <a:ext cx="11026817" cy="5404289"/>
+          </a:xfrm>
+        </p:spPr>
+      </p:pic>
     </p:spTree>
     <p:extLst>
       <p:ext uri="{BB962C8B-B14F-4D97-AF65-F5344CB8AC3E}">
-        <p14:creationId xmlns:p14="http://schemas.microsoft.com/office/powerpoint/2010/main" val="3996379293"/>
+        <p14:creationId xmlns:p14="http://schemas.microsoft.com/office/powerpoint/2010/main" val="2371838768"/>
       </p:ext>
     </p:extLst>
   </p:cSld>
   <p:clrMapOvr>
     <a:masterClrMapping/>
   </p:clrMapOvr>
-  <p:transition spd="med">
-    <p:pull dir="d"/>
-  </p:transition>
-  <p:timing>
-    <p:tnLst>
-      <p:par>
-        <p:cTn id="1" dur="indefinite" restart="never" nodeType="tmRoot"/>
-      </p:par>
-    </p:tnLst>
-  </p:timing>
 </p:sld>
 </file>
 
@@ -11936,7 +12027,7 @@
           <a:p>
             <a:r>
               <a:rPr lang="fr-CA" sz="4800" dirty="0" smtClean="0"/>
-              <a:t>Points faibles</a:t>
+              <a:t>Points forts</a:t>
             </a:r>
             <a:endParaRPr lang="fr-CA" sz="4800" dirty="0"/>
           </a:p>
@@ -11961,19 +12052,19 @@
           <a:p>
             <a:r>
               <a:rPr lang="fr-CA" sz="2800" dirty="0" smtClean="0"/>
-              <a:t>Matériel très lent</a:t>
+              <a:t>Focus est mis sur l’apprentissage</a:t>
             </a:r>
           </a:p>
           <a:p>
             <a:r>
               <a:rPr lang="fr-CA" sz="2800" dirty="0" smtClean="0"/>
-              <a:t>Voyagement</a:t>
+              <a:t>Environnement stable, rapide et professionnel</a:t>
             </a:r>
           </a:p>
           <a:p>
             <a:r>
               <a:rPr lang="fr-CA" sz="2800" dirty="0" smtClean="0"/>
-              <a:t>…</a:t>
+              <a:t>Prise en charge de projets de A à Z</a:t>
             </a:r>
             <a:endParaRPr lang="fr-CA" sz="2800" dirty="0"/>
           </a:p>
@@ -11982,7 +12073,7 @@
     </p:spTree>
     <p:extLst>
       <p:ext uri="{BB962C8B-B14F-4D97-AF65-F5344CB8AC3E}">
-        <p14:creationId xmlns:p14="http://schemas.microsoft.com/office/powerpoint/2010/main" val="3307960623"/>
+        <p14:creationId xmlns:p14="http://schemas.microsoft.com/office/powerpoint/2010/main" val="3996379293"/>
       </p:ext>
     </p:extLst>
   </p:cSld>
